--- a/Regex/DojoPresiVorlage.pptx
+++ b/Regex/DojoPresiVorlage.pptx
@@ -213,7 +213,7 @@
           <a:p>
             <a:fld id="{550C01F7-036F-4DDB-91D3-72DE411FB950}" type="datetimeFigureOut">
               <a:rPr lang="de-AT" smtClean="0"/>
-              <a:t>08.06.2021</a:t>
+              <a:t>18.06.2021</a:t>
             </a:fld>
             <a:endParaRPr lang="de-AT"/>
           </a:p>
@@ -1616,7 +1616,7 @@
           <a:p>
             <a:fld id="{4F9BBA49-313F-47D7-A954-C3F504465317}" type="datetimeFigureOut">
               <a:rPr lang="de-AT" smtClean="0"/>
-              <a:t>08.06.2021</a:t>
+              <a:t>18.06.2021</a:t>
             </a:fld>
             <a:endParaRPr lang="de-AT"/>
           </a:p>
@@ -1786,7 +1786,7 @@
           <a:p>
             <a:fld id="{4F9BBA49-313F-47D7-A954-C3F504465317}" type="datetimeFigureOut">
               <a:rPr lang="de-AT" smtClean="0"/>
-              <a:t>08.06.2021</a:t>
+              <a:t>18.06.2021</a:t>
             </a:fld>
             <a:endParaRPr lang="de-AT"/>
           </a:p>
@@ -1966,7 +1966,7 @@
           <a:p>
             <a:fld id="{4F9BBA49-313F-47D7-A954-C3F504465317}" type="datetimeFigureOut">
               <a:rPr lang="de-AT" smtClean="0"/>
-              <a:t>08.06.2021</a:t>
+              <a:t>18.06.2021</a:t>
             </a:fld>
             <a:endParaRPr lang="de-AT"/>
           </a:p>
@@ -2136,7 +2136,7 @@
           <a:p>
             <a:fld id="{4F9BBA49-313F-47D7-A954-C3F504465317}" type="datetimeFigureOut">
               <a:rPr lang="de-AT" smtClean="0"/>
-              <a:t>08.06.2021</a:t>
+              <a:t>18.06.2021</a:t>
             </a:fld>
             <a:endParaRPr lang="de-AT"/>
           </a:p>
@@ -2382,7 +2382,7 @@
           <a:p>
             <a:fld id="{4F9BBA49-313F-47D7-A954-C3F504465317}" type="datetimeFigureOut">
               <a:rPr lang="de-AT" smtClean="0"/>
-              <a:t>08.06.2021</a:t>
+              <a:t>18.06.2021</a:t>
             </a:fld>
             <a:endParaRPr lang="de-AT"/>
           </a:p>
@@ -2614,7 +2614,7 @@
           <a:p>
             <a:fld id="{4F9BBA49-313F-47D7-A954-C3F504465317}" type="datetimeFigureOut">
               <a:rPr lang="de-AT" smtClean="0"/>
-              <a:t>08.06.2021</a:t>
+              <a:t>18.06.2021</a:t>
             </a:fld>
             <a:endParaRPr lang="de-AT"/>
           </a:p>
@@ -2981,7 +2981,7 @@
           <a:p>
             <a:fld id="{4F9BBA49-313F-47D7-A954-C3F504465317}" type="datetimeFigureOut">
               <a:rPr lang="de-AT" smtClean="0"/>
-              <a:t>08.06.2021</a:t>
+              <a:t>18.06.2021</a:t>
             </a:fld>
             <a:endParaRPr lang="de-AT"/>
           </a:p>
@@ -3099,7 +3099,7 @@
           <a:p>
             <a:fld id="{4F9BBA49-313F-47D7-A954-C3F504465317}" type="datetimeFigureOut">
               <a:rPr lang="de-AT" smtClean="0"/>
-              <a:t>08.06.2021</a:t>
+              <a:t>18.06.2021</a:t>
             </a:fld>
             <a:endParaRPr lang="de-AT"/>
           </a:p>
@@ -3194,7 +3194,7 @@
           <a:p>
             <a:fld id="{4F9BBA49-313F-47D7-A954-C3F504465317}" type="datetimeFigureOut">
               <a:rPr lang="de-AT" smtClean="0"/>
-              <a:t>08.06.2021</a:t>
+              <a:t>18.06.2021</a:t>
             </a:fld>
             <a:endParaRPr lang="de-AT"/>
           </a:p>
@@ -3471,7 +3471,7 @@
           <a:p>
             <a:fld id="{4F9BBA49-313F-47D7-A954-C3F504465317}" type="datetimeFigureOut">
               <a:rPr lang="de-AT" smtClean="0"/>
-              <a:t>08.06.2021</a:t>
+              <a:t>18.06.2021</a:t>
             </a:fld>
             <a:endParaRPr lang="de-AT"/>
           </a:p>
@@ -3724,7 +3724,7 @@
           <a:p>
             <a:fld id="{4F9BBA49-313F-47D7-A954-C3F504465317}" type="datetimeFigureOut">
               <a:rPr lang="de-AT" smtClean="0"/>
-              <a:t>08.06.2021</a:t>
+              <a:t>18.06.2021</a:t>
             </a:fld>
             <a:endParaRPr lang="de-AT"/>
           </a:p>
@@ -3937,7 +3937,7 @@
           <a:p>
             <a:fld id="{4F9BBA49-313F-47D7-A954-C3F504465317}" type="datetimeFigureOut">
               <a:rPr lang="de-AT" smtClean="0"/>
-              <a:t>08.06.2021</a:t>
+              <a:t>18.06.2021</a:t>
             </a:fld>
             <a:endParaRPr lang="de-AT"/>
           </a:p>
@@ -4366,11 +4366,7 @@
             </a:br>
             <a:r>
               <a:rPr lang="de-AT" sz="2400" b="1" dirty="0" smtClean="0"/>
-              <a:t>18</a:t>
-            </a:r>
-            <a:r>
-              <a:rPr lang="de-AT" sz="2400" b="1" dirty="0" smtClean="0"/>
-              <a:t>.06.2021</a:t>
+              <a:t>18.06.2021</a:t>
             </a:r>
             <a:endParaRPr lang="de-AT" sz="1800" b="1" dirty="0"/>
           </a:p>
@@ -5407,25 +5403,12 @@
           <a:lstStyle/>
           <a:p>
             <a:r>
+              <a:rPr lang="de-AT" dirty="0" smtClean="0"/>
+              <a:t>Rollen </a:t>
+            </a:r>
+            <a:r>
               <a:rPr lang="de-AT" dirty="0"/>
-              <a:t>Finger weg von den Mäusen</a:t>
-            </a:r>
-          </a:p>
-          <a:p>
-            <a:pPr lvl="1"/>
-            <a:r>
-              <a:rPr lang="de-AT" dirty="0" smtClean="0"/>
-              <a:t>die sind momentan verhindert</a:t>
-            </a:r>
-            <a:endParaRPr lang="de-AT" dirty="0"/>
-          </a:p>
-          <a:p>
-            <a:endParaRPr lang="de-AT" dirty="0"/>
-          </a:p>
-          <a:p>
-            <a:r>
-              <a:rPr lang="de-AT" dirty="0"/>
-              <a:t>Rollen ähnlich wie beim Rallye-fahren</a:t>
+              <a:t>ähnlich wie beim Rallye-fahren</a:t>
             </a:r>
           </a:p>
           <a:p>
@@ -5524,28 +5507,46 @@
       </p:pic>
       <p:pic>
         <p:nvPicPr>
-          <p:cNvPr id="6" name="Picture 5"/>
+          <p:cNvPr id="5" name="Picture 4"/>
           <p:cNvPicPr>
             <a:picLocks noChangeAspect="1"/>
           </p:cNvPicPr>
           <p:nvPr/>
         </p:nvPicPr>
         <p:blipFill>
-          <a:blip r:embed="rId4">
-            <a:extLst>
-              <a:ext uri="{28A0092B-C50C-407E-A947-70E740481C1C}">
-                <a14:useLocalDpi xmlns:a14="http://schemas.microsoft.com/office/drawing/2010/main" val="0"/>
-              </a:ext>
-            </a:extLst>
-          </a:blip>
+          <a:blip r:embed="rId4"/>
           <a:stretch>
             <a:fillRect/>
           </a:stretch>
         </p:blipFill>
         <p:spPr>
           <a:xfrm>
-            <a:off x="7708348" y="127127"/>
-            <a:ext cx="4349665" cy="3262249"/>
+            <a:off x="6859152" y="700002"/>
+            <a:ext cx="5006774" cy="1981372"/>
+          </a:xfrm>
+          <a:prstGeom prst="rect">
+            <a:avLst/>
+          </a:prstGeom>
+        </p:spPr>
+      </p:pic>
+      <p:pic>
+        <p:nvPicPr>
+          <p:cNvPr id="7" name="Picture 6"/>
+          <p:cNvPicPr>
+            <a:picLocks noChangeAspect="1"/>
+          </p:cNvPicPr>
+          <p:nvPr/>
+        </p:nvPicPr>
+        <p:blipFill>
+          <a:blip r:embed="rId5"/>
+          <a:stretch>
+            <a:fillRect/>
+          </a:stretch>
+        </p:blipFill>
+        <p:spPr>
+          <a:xfrm>
+            <a:off x="10091737" y="2238259"/>
+            <a:ext cx="1646020" cy="2190909"/>
           </a:xfrm>
           <a:prstGeom prst="rect">
             <a:avLst/>
@@ -5625,33 +5626,15 @@
                                   </p:childTnLst>
                                 </p:cTn>
                               </p:par>
-                            </p:childTnLst>
-                          </p:cTn>
-                        </p:par>
-                      </p:childTnLst>
-                    </p:cTn>
-                  </p:par>
-                  <p:par>
-                    <p:cTn id="8" fill="hold">
-                      <p:stCondLst>
-                        <p:cond delay="indefinite"/>
-                      </p:stCondLst>
-                      <p:childTnLst>
-                        <p:par>
-                          <p:cTn id="9" fill="hold">
-                            <p:stCondLst>
-                              <p:cond delay="0"/>
-                            </p:stCondLst>
-                            <p:childTnLst>
                               <p:par>
-                                <p:cTn id="10" presetID="10" presetClass="entr" presetSubtype="0" fill="hold" nodeType="clickEffect">
+                                <p:cTn id="8" presetID="10" presetClass="entr" presetSubtype="0" fill="hold" nodeType="withEffect">
                                   <p:stCondLst>
                                     <p:cond delay="0"/>
                                   </p:stCondLst>
                                   <p:childTnLst>
                                     <p:set>
                                       <p:cBhvr>
-                                        <p:cTn id="11" dur="1" fill="hold">
+                                        <p:cTn id="9" dur="1" fill="hold">
                                           <p:stCondLst>
                                             <p:cond delay="0"/>
                                           </p:stCondLst>
@@ -5673,11 +5656,54 @@
                                     </p:set>
                                     <p:animEffect transition="in" filter="fade">
                                       <p:cBhvr>
-                                        <p:cTn id="12" dur="500"/>
+                                        <p:cTn id="10" dur="500"/>
                                         <p:tgtEl>
                                           <p:spTgt spid="3">
                                             <p:txEl>
                                               <p:pRg st="1" end="1"/>
+                                            </p:txEl>
+                                          </p:spTgt>
+                                        </p:tgtEl>
+                                      </p:cBhvr>
+                                    </p:animEffect>
+                                  </p:childTnLst>
+                                </p:cTn>
+                              </p:par>
+                              <p:par>
+                                <p:cTn id="11" presetID="10" presetClass="entr" presetSubtype="0" fill="hold" nodeType="withEffect">
+                                  <p:stCondLst>
+                                    <p:cond delay="0"/>
+                                  </p:stCondLst>
+                                  <p:childTnLst>
+                                    <p:set>
+                                      <p:cBhvr>
+                                        <p:cTn id="12" dur="1" fill="hold">
+                                          <p:stCondLst>
+                                            <p:cond delay="0"/>
+                                          </p:stCondLst>
+                                        </p:cTn>
+                                        <p:tgtEl>
+                                          <p:spTgt spid="3">
+                                            <p:txEl>
+                                              <p:pRg st="2" end="2"/>
+                                            </p:txEl>
+                                          </p:spTgt>
+                                        </p:tgtEl>
+                                        <p:attrNameLst>
+                                          <p:attrName>style.visibility</p:attrName>
+                                        </p:attrNameLst>
+                                      </p:cBhvr>
+                                      <p:to>
+                                        <p:strVal val="visible"/>
+                                      </p:to>
+                                    </p:set>
+                                    <p:animEffect transition="in" filter="fade">
+                                      <p:cBhvr>
+                                        <p:cTn id="13" dur="500"/>
+                                        <p:tgtEl>
+                                          <p:spTgt spid="3">
+                                            <p:txEl>
+                                              <p:pRg st="2" end="2"/>
                                             </p:txEl>
                                           </p:spTgt>
                                         </p:tgtEl>
@@ -5693,69 +5719,26 @@
                     </p:cTn>
                   </p:par>
                   <p:par>
-                    <p:cTn id="13" fill="hold">
+                    <p:cTn id="14" fill="hold">
                       <p:stCondLst>
                         <p:cond delay="indefinite"/>
                       </p:stCondLst>
                       <p:childTnLst>
                         <p:par>
-                          <p:cTn id="14" fill="hold">
+                          <p:cTn id="15" fill="hold">
                             <p:stCondLst>
                               <p:cond delay="0"/>
                             </p:stCondLst>
                             <p:childTnLst>
                               <p:par>
-                                <p:cTn id="15" presetID="10" presetClass="entr" presetSubtype="0" fill="hold" nodeType="clickEffect">
+                                <p:cTn id="16" presetID="10" presetClass="entr" presetSubtype="0" fill="hold" nodeType="clickEffect">
                                   <p:stCondLst>
                                     <p:cond delay="0"/>
                                   </p:stCondLst>
                                   <p:childTnLst>
                                     <p:set>
                                       <p:cBhvr>
-                                        <p:cTn id="16" dur="1" fill="hold">
-                                          <p:stCondLst>
-                                            <p:cond delay="0"/>
-                                          </p:stCondLst>
-                                        </p:cTn>
-                                        <p:tgtEl>
-                                          <p:spTgt spid="3">
-                                            <p:txEl>
-                                              <p:pRg st="3" end="3"/>
-                                            </p:txEl>
-                                          </p:spTgt>
-                                        </p:tgtEl>
-                                        <p:attrNameLst>
-                                          <p:attrName>style.visibility</p:attrName>
-                                        </p:attrNameLst>
-                                      </p:cBhvr>
-                                      <p:to>
-                                        <p:strVal val="visible"/>
-                                      </p:to>
-                                    </p:set>
-                                    <p:animEffect transition="in" filter="fade">
-                                      <p:cBhvr>
-                                        <p:cTn id="17" dur="500"/>
-                                        <p:tgtEl>
-                                          <p:spTgt spid="3">
-                                            <p:txEl>
-                                              <p:pRg st="3" end="3"/>
-                                            </p:txEl>
-                                          </p:spTgt>
-                                        </p:tgtEl>
-                                      </p:cBhvr>
-                                    </p:animEffect>
-                                  </p:childTnLst>
-                                </p:cTn>
-                              </p:par>
-                              <p:par>
-                                <p:cTn id="18" presetID="10" presetClass="entr" presetSubtype="0" fill="hold" nodeType="withEffect">
-                                  <p:stCondLst>
-                                    <p:cond delay="0"/>
-                                  </p:stCondLst>
-                                  <p:childTnLst>
-                                    <p:set>
-                                      <p:cBhvr>
-                                        <p:cTn id="19" dur="1" fill="hold">
+                                        <p:cTn id="17" dur="1" fill="hold">
                                           <p:stCondLst>
                                             <p:cond delay="0"/>
                                           </p:stCondLst>
@@ -5777,115 +5760,11 @@
                                     </p:set>
                                     <p:animEffect transition="in" filter="fade">
                                       <p:cBhvr>
-                                        <p:cTn id="20" dur="500"/>
+                                        <p:cTn id="18" dur="500"/>
                                         <p:tgtEl>
                                           <p:spTgt spid="3">
                                             <p:txEl>
                                               <p:pRg st="4" end="4"/>
-                                            </p:txEl>
-                                          </p:spTgt>
-                                        </p:tgtEl>
-                                      </p:cBhvr>
-                                    </p:animEffect>
-                                  </p:childTnLst>
-                                </p:cTn>
-                              </p:par>
-                              <p:par>
-                                <p:cTn id="21" presetID="10" presetClass="entr" presetSubtype="0" fill="hold" nodeType="withEffect">
-                                  <p:stCondLst>
-                                    <p:cond delay="0"/>
-                                  </p:stCondLst>
-                                  <p:childTnLst>
-                                    <p:set>
-                                      <p:cBhvr>
-                                        <p:cTn id="22" dur="1" fill="hold">
-                                          <p:stCondLst>
-                                            <p:cond delay="0"/>
-                                          </p:stCondLst>
-                                        </p:cTn>
-                                        <p:tgtEl>
-                                          <p:spTgt spid="3">
-                                            <p:txEl>
-                                              <p:pRg st="5" end="5"/>
-                                            </p:txEl>
-                                          </p:spTgt>
-                                        </p:tgtEl>
-                                        <p:attrNameLst>
-                                          <p:attrName>style.visibility</p:attrName>
-                                        </p:attrNameLst>
-                                      </p:cBhvr>
-                                      <p:to>
-                                        <p:strVal val="visible"/>
-                                      </p:to>
-                                    </p:set>
-                                    <p:animEffect transition="in" filter="fade">
-                                      <p:cBhvr>
-                                        <p:cTn id="23" dur="500"/>
-                                        <p:tgtEl>
-                                          <p:spTgt spid="3">
-                                            <p:txEl>
-                                              <p:pRg st="5" end="5"/>
-                                            </p:txEl>
-                                          </p:spTgt>
-                                        </p:tgtEl>
-                                      </p:cBhvr>
-                                    </p:animEffect>
-                                  </p:childTnLst>
-                                </p:cTn>
-                              </p:par>
-                            </p:childTnLst>
-                          </p:cTn>
-                        </p:par>
-                      </p:childTnLst>
-                    </p:cTn>
-                  </p:par>
-                  <p:par>
-                    <p:cTn id="24" fill="hold">
-                      <p:stCondLst>
-                        <p:cond delay="indefinite"/>
-                      </p:stCondLst>
-                      <p:childTnLst>
-                        <p:par>
-                          <p:cTn id="25" fill="hold">
-                            <p:stCondLst>
-                              <p:cond delay="0"/>
-                            </p:stCondLst>
-                            <p:childTnLst>
-                              <p:par>
-                                <p:cTn id="26" presetID="10" presetClass="entr" presetSubtype="0" fill="hold" nodeType="clickEffect">
-                                  <p:stCondLst>
-                                    <p:cond delay="0"/>
-                                  </p:stCondLst>
-                                  <p:childTnLst>
-                                    <p:set>
-                                      <p:cBhvr>
-                                        <p:cTn id="27" dur="1" fill="hold">
-                                          <p:stCondLst>
-                                            <p:cond delay="0"/>
-                                          </p:stCondLst>
-                                        </p:cTn>
-                                        <p:tgtEl>
-                                          <p:spTgt spid="3">
-                                            <p:txEl>
-                                              <p:pRg st="7" end="7"/>
-                                            </p:txEl>
-                                          </p:spTgt>
-                                        </p:tgtEl>
-                                        <p:attrNameLst>
-                                          <p:attrName>style.visibility</p:attrName>
-                                        </p:attrNameLst>
-                                      </p:cBhvr>
-                                      <p:to>
-                                        <p:strVal val="visible"/>
-                                      </p:to>
-                                    </p:set>
-                                    <p:animEffect transition="in" filter="fade">
-                                      <p:cBhvr>
-                                        <p:cTn id="28" dur="500"/>
-                                        <p:tgtEl>
-                                          <p:spTgt spid="3">
-                                            <p:txEl>
-                                              <p:pRg st="7" end="7"/>
                                             </p:txEl>
                                           </p:spTgt>
                                         </p:tgtEl>
@@ -5958,10 +5837,9 @@
           <a:lstStyle/>
           <a:p>
             <a:r>
-              <a:rPr lang="en-US" dirty="0" err="1" smtClean="0"/>
-              <a:t>Organisation</a:t>
-            </a:r>
-            <a:endParaRPr lang="de-AT" dirty="0"/>
+              <a:rPr lang="de-AT" dirty="0"/>
+              <a:t>Ablauf und Regeln</a:t>
+            </a:r>
           </a:p>
         </p:txBody>
       </p:sp>
@@ -5993,7 +5871,7 @@
           <a:p>
             <a:r>
               <a:rPr lang="en-US" dirty="0" smtClean="0"/>
-              <a:t>25 </a:t>
+              <a:t>20 </a:t>
             </a:r>
             <a:r>
               <a:rPr lang="en-US" dirty="0" err="1" smtClean="0"/>
@@ -6001,16 +5879,13 @@
             </a:r>
             <a:r>
               <a:rPr lang="en-US" dirty="0" smtClean="0"/>
-              <a:t> </a:t>
+              <a:t> in 2er/3er </a:t>
             </a:r>
             <a:r>
               <a:rPr lang="en-US" dirty="0" err="1" smtClean="0"/>
-              <a:t>im</a:t>
-            </a:r>
-            <a:r>
-              <a:rPr lang="en-US" dirty="0" smtClean="0"/>
-              <a:t> Pairing</a:t>
-            </a:r>
+              <a:t>Gruppen</a:t>
+            </a:r>
+            <a:endParaRPr lang="en-US" dirty="0" smtClean="0"/>
           </a:p>
           <a:p>
             <a:r>
@@ -6023,13 +5898,8 @@
             </a:r>
             <a:r>
               <a:rPr lang="en-US" dirty="0" smtClean="0"/>
-              <a:t> </a:t>
-            </a:r>
-            <a:r>
-              <a:rPr lang="en-US" dirty="0" err="1" smtClean="0"/>
-              <a:t>Besprechung</a:t>
-            </a:r>
-            <a:endParaRPr lang="en-US" dirty="0" smtClean="0"/>
+              <a:t> Retro</a:t>
+            </a:r>
           </a:p>
           <a:p>
             <a:r>
